--- a/2021/PASC/Intro.pptx
+++ b/2021/PASC/Intro.pptx
@@ -13085,64 +13085,64 @@
           <a:lstStyle/>
           <a:p>
             <a:r>
-              <a:rPr lang="en-US" dirty="0"/>
+              <a:rPr lang="en-US" b="1" dirty="0"/>
               <a:t>John </a:t>
             </a:r>
             <a:r>
-              <a:rPr lang="en-US" dirty="0" err="1"/>
+              <a:rPr lang="en-US" b="1" dirty="0" err="1"/>
               <a:t>Gounley</a:t>
             </a:r>
+            <a:endParaRPr lang="en-US" b="1" dirty="0"/>
+          </a:p>
+          <a:p>
+            <a:pPr lvl="1"/>
+            <a:r>
+              <a:rPr lang="en-US" dirty="0"/>
+              <a:t>Computational scientist </a:t>
+            </a:r>
+          </a:p>
+          <a:p>
+            <a:pPr lvl="1"/>
+            <a:r>
+              <a:rPr lang="en-US" dirty="0"/>
+              <a:t>Computational Sciences </a:t>
+            </a:r>
+            <a:br>
+              <a:rPr lang="en-US" dirty="0"/>
+            </a:br>
+            <a:r>
+              <a:rPr lang="en-US" dirty="0"/>
+              <a:t>and Engineering Division </a:t>
+            </a:r>
+          </a:p>
+          <a:p>
+            <a:pPr lvl="1"/>
+            <a:r>
+              <a:rPr lang="en-US" dirty="0"/>
+              <a:t>Oak Ridge National Laboratory</a:t>
+            </a:r>
+          </a:p>
+          <a:p>
             <a:endParaRPr lang="en-US" dirty="0"/>
           </a:p>
           <a:p>
-            <a:pPr lvl="1"/>
-            <a:r>
-              <a:rPr lang="en-US" dirty="0"/>
-              <a:t>Computational scientist </a:t>
-            </a:r>
-          </a:p>
-          <a:p>
-            <a:pPr lvl="1"/>
-            <a:r>
-              <a:rPr lang="en-US" dirty="0"/>
-              <a:t>Computational Sciences </a:t>
-            </a:r>
-            <a:br>
-              <a:rPr lang="en-US" dirty="0"/>
-            </a:br>
-            <a:r>
-              <a:rPr lang="en-US" dirty="0"/>
-              <a:t>and Engineering Division </a:t>
-            </a:r>
-          </a:p>
-          <a:p>
-            <a:pPr lvl="1"/>
-            <a:r>
-              <a:rPr lang="en-US" dirty="0"/>
-              <a:t>Oak Ridge National Laboratory</a:t>
-            </a:r>
-          </a:p>
-          <a:p>
             <a:endParaRPr lang="en-US" dirty="0"/>
           </a:p>
           <a:p>
-            <a:endParaRPr lang="en-US" dirty="0"/>
-          </a:p>
-          <a:p>
-            <a:r>
-              <a:rPr lang="en-US" dirty="0" err="1"/>
+            <a:r>
+              <a:rPr lang="en-US" b="1" dirty="0" err="1"/>
               <a:t>Jamaludin</a:t>
             </a:r>
             <a:r>
-              <a:rPr lang="en-US" dirty="0"/>
+              <a:rPr lang="en-US" b="1" dirty="0"/>
               <a:t> </a:t>
             </a:r>
             <a:r>
-              <a:rPr lang="en-US" dirty="0" err="1"/>
+              <a:rPr lang="en-US" b="1" dirty="0" err="1"/>
               <a:t>Mohd</a:t>
             </a:r>
             <a:r>
-              <a:rPr lang="en-US" dirty="0"/>
+              <a:rPr lang="en-US" b="1" dirty="0"/>
               <a:t>-Yusof</a:t>
             </a:r>
           </a:p>
@@ -13413,7 +13413,7 @@
           </a:lstStyle>
           <a:p>
             <a:r>
-              <a:rPr lang="en-US" dirty="0"/>
+              <a:rPr lang="en-US" b="1" dirty="0"/>
               <a:t>Justin Wozniak</a:t>
             </a:r>
           </a:p>
@@ -13453,14 +13453,14 @@
           </a:p>
           <a:p>
             <a:r>
-              <a:rPr lang="en-US" dirty="0"/>
+              <a:rPr lang="en-US" b="1" dirty="0"/>
               <a:t>Thomas </a:t>
             </a:r>
             <a:r>
-              <a:rPr lang="en-US" dirty="0" err="1"/>
+              <a:rPr lang="en-US" b="1" dirty="0" err="1"/>
               <a:t>Brettin</a:t>
             </a:r>
-            <a:endParaRPr lang="en-US" dirty="0"/>
+            <a:endParaRPr lang="en-US" b="1" dirty="0"/>
           </a:p>
           <a:p>
             <a:pPr lvl="1"/>
@@ -13663,7 +13663,7 @@
             </a:pPr>
             <a:r>
               <a:rPr lang="en-US" dirty="0"/>
-              <a:t>This symposium will illustrate these challenges and present the an infrastructure in which to address them, followed by three related application case studies, including two from the life sciences.</a:t>
+              <a:t>This symposium will illustrate these challenges and present an infrastructure in which to address them, followed by three related application case studies, including two from the life sciences.</a:t>
             </a:r>
           </a:p>
         </p:txBody>
